--- a/img/transfer-learning.pptx
+++ b/img/transfer-learning.pptx
@@ -242,7 +242,7 @@
           <a:lstStyle/>
           <a:p>
             <a:fld id="{83E018DE-95F3-4A46-B069-897C1D634C18}" type="datetimeFigureOut">
-              <a:t>19.06.20</a:t>
+              <a:t>09.08.20</a:t>
             </a:fld>
             <a:endParaRPr lang="de-DE"/>
           </a:p>
@@ -410,7 +410,7 @@
           <a:lstStyle/>
           <a:p>
             <a:fld id="{83E018DE-95F3-4A46-B069-897C1D634C18}" type="datetimeFigureOut">
-              <a:t>19.06.20</a:t>
+              <a:t>09.08.20</a:t>
             </a:fld>
             <a:endParaRPr lang="de-DE"/>
           </a:p>
@@ -588,7 +588,7 @@
           <a:lstStyle/>
           <a:p>
             <a:fld id="{83E018DE-95F3-4A46-B069-897C1D634C18}" type="datetimeFigureOut">
-              <a:t>19.06.20</a:t>
+              <a:t>09.08.20</a:t>
             </a:fld>
             <a:endParaRPr lang="de-DE"/>
           </a:p>
@@ -756,7 +756,7 @@
           <a:lstStyle/>
           <a:p>
             <a:fld id="{83E018DE-95F3-4A46-B069-897C1D634C18}" type="datetimeFigureOut">
-              <a:t>19.06.20</a:t>
+              <a:t>09.08.20</a:t>
             </a:fld>
             <a:endParaRPr lang="de-DE"/>
           </a:p>
@@ -1000,7 +1000,7 @@
           <a:lstStyle/>
           <a:p>
             <a:fld id="{83E018DE-95F3-4A46-B069-897C1D634C18}" type="datetimeFigureOut">
-              <a:t>19.06.20</a:t>
+              <a:t>09.08.20</a:t>
             </a:fld>
             <a:endParaRPr lang="de-DE"/>
           </a:p>
@@ -1230,7 +1230,7 @@
           <a:lstStyle/>
           <a:p>
             <a:fld id="{83E018DE-95F3-4A46-B069-897C1D634C18}" type="datetimeFigureOut">
-              <a:t>19.06.20</a:t>
+              <a:t>09.08.20</a:t>
             </a:fld>
             <a:endParaRPr lang="de-DE"/>
           </a:p>
@@ -1595,7 +1595,7 @@
           <a:lstStyle/>
           <a:p>
             <a:fld id="{83E018DE-95F3-4A46-B069-897C1D634C18}" type="datetimeFigureOut">
-              <a:t>19.06.20</a:t>
+              <a:t>09.08.20</a:t>
             </a:fld>
             <a:endParaRPr lang="de-DE"/>
           </a:p>
@@ -1711,7 +1711,7 @@
           <a:lstStyle/>
           <a:p>
             <a:fld id="{83E018DE-95F3-4A46-B069-897C1D634C18}" type="datetimeFigureOut">
-              <a:t>19.06.20</a:t>
+              <a:t>09.08.20</a:t>
             </a:fld>
             <a:endParaRPr lang="de-DE"/>
           </a:p>
@@ -1804,7 +1804,7 @@
           <a:lstStyle/>
           <a:p>
             <a:fld id="{83E018DE-95F3-4A46-B069-897C1D634C18}" type="datetimeFigureOut">
-              <a:t>19.06.20</a:t>
+              <a:t>09.08.20</a:t>
             </a:fld>
             <a:endParaRPr lang="de-DE"/>
           </a:p>
@@ -2079,7 +2079,7 @@
           <a:lstStyle/>
           <a:p>
             <a:fld id="{83E018DE-95F3-4A46-B069-897C1D634C18}" type="datetimeFigureOut">
-              <a:t>19.06.20</a:t>
+              <a:t>09.08.20</a:t>
             </a:fld>
             <a:endParaRPr lang="de-DE"/>
           </a:p>
@@ -2334,7 +2334,7 @@
           <a:lstStyle/>
           <a:p>
             <a:fld id="{83E018DE-95F3-4A46-B069-897C1D634C18}" type="datetimeFigureOut">
-              <a:t>19.06.20</a:t>
+              <a:t>09.08.20</a:t>
             </a:fld>
             <a:endParaRPr lang="de-DE"/>
           </a:p>
@@ -2545,7 +2545,7 @@
           </a:lstStyle>
           <a:p>
             <a:fld id="{83E018DE-95F3-4A46-B069-897C1D634C18}" type="datetimeFigureOut">
-              <a:t>19.06.20</a:t>
+              <a:t>09.08.20</a:t>
             </a:fld>
             <a:endParaRPr lang="de-DE"/>
           </a:p>
@@ -2951,70 +2951,6 @@
       </p:grpSpPr>
       <p:sp>
         <p:nvSpPr>
-          <p:cNvPr id="4" name="Rectangle 3">
-            <a:extLst>
-              <a:ext uri="{FF2B5EF4-FFF2-40B4-BE49-F238E27FC236}">
-                <a16:creationId xmlns:a16="http://schemas.microsoft.com/office/drawing/2014/main" id="{51FA16BB-60E0-0D43-942C-A4380ADD0A86}"/>
-              </a:ext>
-            </a:extLst>
-          </p:cNvPr>
-          <p:cNvSpPr/>
-          <p:nvPr/>
-        </p:nvSpPr>
-        <p:spPr>
-          <a:xfrm>
-            <a:off x="8376498" y="3429000"/>
-            <a:ext cx="1618594" cy="822434"/>
-          </a:xfrm>
-          <a:prstGeom prst="rect">
-            <a:avLst/>
-          </a:prstGeom>
-          <a:noFill/>
-          <a:ln w="19050">
-            <a:solidFill>
-              <a:schemeClr val="tx1"/>
-            </a:solidFill>
-          </a:ln>
-        </p:spPr>
-        <p:style>
-          <a:lnRef idx="2">
-            <a:schemeClr val="accent1">
-              <a:shade val="50000"/>
-            </a:schemeClr>
-          </a:lnRef>
-          <a:fillRef idx="1">
-            <a:schemeClr val="accent1"/>
-          </a:fillRef>
-          <a:effectRef idx="0">
-            <a:schemeClr val="accent1"/>
-          </a:effectRef>
-          <a:fontRef idx="minor">
-            <a:schemeClr val="lt1"/>
-          </a:fontRef>
-        </p:style>
-        <p:txBody>
-          <a:bodyPr rot="0" spcFirstLastPara="0" vertOverflow="overflow" horzOverflow="overflow" vert="horz" wrap="square" lIns="91440" tIns="45720" rIns="91440" bIns="45720" numCol="1" spcCol="0" rtlCol="0" fromWordArt="0" anchor="ctr" anchorCtr="0" forceAA="0" compatLnSpc="1">
-            <a:prstTxWarp prst="textNoShape">
-              <a:avLst/>
-            </a:prstTxWarp>
-            <a:noAutofit/>
-          </a:bodyPr>
-          <a:lstStyle/>
-          <a:p>
-            <a:pPr algn="ctr"/>
-            <a:r>
-              <a:rPr lang="de-DE" sz="1400">
-                <a:solidFill>
-                  <a:schemeClr val="tx1"/>
-                </a:solidFill>
-              </a:rPr>
-              <a:t>model trained on dataset A</a:t>
-            </a:r>
-          </a:p>
-        </p:txBody>
-      </p:sp>
-      <p:sp>
-        <p:nvSpPr>
           <p:cNvPr id="5" name="Can 4">
             <a:extLst>
               <a:ext uri="{FF2B5EF4-FFF2-40B4-BE49-F238E27FC236}">
@@ -3027,7 +2963,7 @@
         </p:nvSpPr>
         <p:spPr>
           <a:xfrm>
-            <a:off x="1464643" y="3187598"/>
+            <a:off x="224239" y="3187598"/>
             <a:ext cx="1103585" cy="1065778"/>
           </a:xfrm>
           <a:prstGeom prst="can">
@@ -3086,7 +3022,7 @@
         </p:nvSpPr>
         <p:spPr>
           <a:xfrm>
-            <a:off x="5931528" y="927072"/>
+            <a:off x="4691124" y="927072"/>
             <a:ext cx="1311160" cy="1065778"/>
           </a:xfrm>
           <a:prstGeom prst="can">
@@ -3145,7 +3081,7 @@
         </p:nvSpPr>
         <p:spPr>
           <a:xfrm>
-            <a:off x="3516787" y="4253376"/>
+            <a:off x="2276383" y="4253376"/>
             <a:ext cx="1103585" cy="1065778"/>
           </a:xfrm>
           <a:prstGeom prst="can">
@@ -3215,7 +3151,7 @@
         </p:nvSpPr>
         <p:spPr>
           <a:xfrm>
-            <a:off x="3516788" y="2365680"/>
+            <a:off x="2276384" y="2365680"/>
             <a:ext cx="1103585" cy="1065778"/>
           </a:xfrm>
           <a:prstGeom prst="can">
@@ -3288,7 +3224,7 @@
         </p:nvCxnSpPr>
         <p:spPr>
           <a:xfrm flipV="1">
-            <a:off x="2568229" y="2898569"/>
+            <a:off x="1327825" y="2898569"/>
             <a:ext cx="948559" cy="821918"/>
           </a:xfrm>
           <a:prstGeom prst="straightConnector1">
@@ -3334,7 +3270,7 @@
         </p:nvCxnSpPr>
         <p:spPr>
           <a:xfrm flipV="1">
-            <a:off x="4620373" y="2896111"/>
+            <a:off x="3379969" y="2896111"/>
             <a:ext cx="1311159" cy="2458"/>
           </a:xfrm>
           <a:prstGeom prst="straightConnector1">
@@ -3373,7 +3309,7 @@
         </p:nvSpPr>
         <p:spPr>
           <a:xfrm>
-            <a:off x="4759628" y="2385697"/>
+            <a:off x="3519224" y="2385697"/>
             <a:ext cx="1103585" cy="523220"/>
           </a:xfrm>
           <a:prstGeom prst="rect">
@@ -3413,7 +3349,7 @@
         </p:nvSpPr>
         <p:spPr>
           <a:xfrm>
-            <a:off x="2260813" y="2844191"/>
+            <a:off x="1020409" y="2844191"/>
             <a:ext cx="1170579" cy="307777"/>
           </a:xfrm>
           <a:prstGeom prst="rect">
@@ -3451,7 +3387,7 @@
         </p:nvCxnSpPr>
         <p:spPr>
           <a:xfrm>
-            <a:off x="2568225" y="4157184"/>
+            <a:off x="1327821" y="4157184"/>
             <a:ext cx="948558" cy="629085"/>
           </a:xfrm>
           <a:prstGeom prst="straightConnector1">
@@ -3493,7 +3429,7 @@
         </p:nvSpPr>
         <p:spPr>
           <a:xfrm>
-            <a:off x="2108413" y="4471726"/>
+            <a:off x="868009" y="4471726"/>
             <a:ext cx="1170579" cy="307777"/>
           </a:xfrm>
           <a:prstGeom prst="rect">
@@ -3529,7 +3465,7 @@
         </p:nvSpPr>
         <p:spPr>
           <a:xfrm>
-            <a:off x="5931528" y="2363222"/>
+            <a:off x="4691124" y="2363222"/>
             <a:ext cx="1311160" cy="1065778"/>
           </a:xfrm>
           <a:prstGeom prst="can">
@@ -3591,7 +3527,7 @@
         </p:nvCxnSpPr>
         <p:spPr>
           <a:xfrm>
-            <a:off x="6587108" y="1992850"/>
+            <a:off x="5346704" y="1992850"/>
             <a:ext cx="0" cy="370372"/>
           </a:xfrm>
           <a:prstGeom prst="straightConnector1">
@@ -3633,8 +3569,8 @@
         </p:nvCxnSpPr>
         <p:spPr>
           <a:xfrm flipV="1">
-            <a:off x="4620372" y="3915446"/>
-            <a:ext cx="3552495" cy="870823"/>
+            <a:off x="3379968" y="3983603"/>
+            <a:ext cx="3108296" cy="802662"/>
           </a:xfrm>
           <a:prstGeom prst="straightConnector1">
             <a:avLst/>
@@ -3678,8 +3614,8 @@
         </p:nvCxnSpPr>
         <p:spPr>
           <a:xfrm>
-            <a:off x="7242692" y="2896111"/>
-            <a:ext cx="930175" cy="683000"/>
+            <a:off x="6002284" y="2896111"/>
+            <a:ext cx="470078" cy="658122"/>
           </a:xfrm>
           <a:prstGeom prst="straightConnector1">
             <a:avLst/>
@@ -3717,8 +3653,8 @@
         </p:nvSpPr>
         <p:spPr>
           <a:xfrm>
-            <a:off x="8172867" y="3187598"/>
-            <a:ext cx="2039007" cy="1284124"/>
+            <a:off x="6503090" y="2318900"/>
+            <a:ext cx="5543135" cy="2547590"/>
           </a:xfrm>
           <a:prstGeom prst="rect">
             <a:avLst/>
@@ -3775,7 +3711,7 @@
         </p:nvSpPr>
         <p:spPr>
           <a:xfrm>
-            <a:off x="8247197" y="2741322"/>
+            <a:off x="8317559" y="1872623"/>
             <a:ext cx="1914196" cy="446276"/>
           </a:xfrm>
           <a:prstGeom prst="rect">
@@ -3799,10 +3735,10 @@
       </p:sp>
       <p:sp>
         <p:nvSpPr>
-          <p:cNvPr id="36" name="Rectangle 35">
+          <p:cNvPr id="38" name="Rectangle 37">
             <a:extLst>
               <a:ext uri="{FF2B5EF4-FFF2-40B4-BE49-F238E27FC236}">
-                <a16:creationId xmlns:a16="http://schemas.microsoft.com/office/drawing/2014/main" id="{53193D16-8BB6-7A47-8CE9-6860EBFA057F}"/>
+                <a16:creationId xmlns:a16="http://schemas.microsoft.com/office/drawing/2014/main" id="{51BA3BEC-973F-4F48-A4F4-2078B89FDBCD}"/>
               </a:ext>
             </a:extLst>
           </p:cNvPr>
@@ -3811,7 +3747,1128 @@
         </p:nvSpPr>
         <p:spPr>
           <a:xfrm>
-            <a:off x="1436553" y="5642375"/>
+            <a:off x="2083025" y="679623"/>
+            <a:ext cx="10042713" cy="4922338"/>
+          </a:xfrm>
+          <a:prstGeom prst="rect">
+            <a:avLst/>
+          </a:prstGeom>
+          <a:noFill/>
+          <a:ln>
+            <a:solidFill>
+              <a:schemeClr val="tx1"/>
+            </a:solidFill>
+            <a:prstDash val="dash"/>
+          </a:ln>
+        </p:spPr>
+        <p:style>
+          <a:lnRef idx="2">
+            <a:schemeClr val="accent1">
+              <a:shade val="50000"/>
+            </a:schemeClr>
+          </a:lnRef>
+          <a:fillRef idx="1">
+            <a:schemeClr val="accent1"/>
+          </a:fillRef>
+          <a:effectRef idx="0">
+            <a:schemeClr val="accent1"/>
+          </a:effectRef>
+          <a:fontRef idx="minor">
+            <a:schemeClr val="lt1"/>
+          </a:fontRef>
+        </p:style>
+        <p:txBody>
+          <a:bodyPr rtlCol="0" anchor="ctr"/>
+          <a:lstStyle/>
+          <a:p>
+            <a:pPr algn="ctr"/>
+            <a:endParaRPr lang="de-DE"/>
+          </a:p>
+        </p:txBody>
+      </p:sp>
+      <p:sp>
+        <p:nvSpPr>
+          <p:cNvPr id="40" name="TextBox 39">
+            <a:extLst>
+              <a:ext uri="{FF2B5EF4-FFF2-40B4-BE49-F238E27FC236}">
+                <a16:creationId xmlns:a16="http://schemas.microsoft.com/office/drawing/2014/main" id="{74F76DEB-D083-B14B-9230-D5BA6675A391}"/>
+              </a:ext>
+            </a:extLst>
+          </p:cNvPr>
+          <p:cNvSpPr txBox="1"/>
+          <p:nvPr/>
+        </p:nvSpPr>
+        <p:spPr>
+          <a:xfrm>
+            <a:off x="4493510" y="215192"/>
+            <a:ext cx="2383986" cy="446276"/>
+          </a:xfrm>
+          <a:prstGeom prst="rect">
+            <a:avLst/>
+          </a:prstGeom>
+          <a:noFill/>
+        </p:spPr>
+        <p:txBody>
+          <a:bodyPr wrap="square" rtlCol="0">
+            <a:spAutoFit/>
+          </a:bodyPr>
+          <a:lstStyle/>
+          <a:p>
+            <a:pPr algn="ctr"/>
+            <a:r>
+              <a:rPr lang="de-DE" sz="2300"/>
+              <a:t>Transfer Learning</a:t>
+            </a:r>
+          </a:p>
+        </p:txBody>
+      </p:sp>
+      <p:grpSp>
+        <p:nvGrpSpPr>
+          <p:cNvPr id="8" name="Group 7">
+            <a:extLst>
+              <a:ext uri="{FF2B5EF4-FFF2-40B4-BE49-F238E27FC236}">
+                <a16:creationId xmlns:a16="http://schemas.microsoft.com/office/drawing/2014/main" id="{42E107C8-CFD3-5943-AEA2-D5E89A0C4087}"/>
+              </a:ext>
+            </a:extLst>
+          </p:cNvPr>
+          <p:cNvGrpSpPr/>
+          <p:nvPr/>
+        </p:nvGrpSpPr>
+        <p:grpSpPr>
+          <a:xfrm>
+            <a:off x="9187995" y="3047577"/>
+            <a:ext cx="1900347" cy="1624231"/>
+            <a:chOff x="9067475" y="3047577"/>
+            <a:chExt cx="2032392" cy="1624231"/>
+          </a:xfrm>
+        </p:grpSpPr>
+        <p:sp>
+          <p:nvSpPr>
+            <p:cNvPr id="34" name="TextBox 33">
+              <a:extLst>
+                <a:ext uri="{FF2B5EF4-FFF2-40B4-BE49-F238E27FC236}">
+                  <a16:creationId xmlns:a16="http://schemas.microsoft.com/office/drawing/2014/main" id="{F0AA1DB1-EF4D-624A-B5F9-ACE09B3ADF41}"/>
+                </a:ext>
+              </a:extLst>
+            </p:cNvPr>
+            <p:cNvSpPr txBox="1"/>
+            <p:nvPr/>
+          </p:nvSpPr>
+          <p:spPr>
+            <a:xfrm>
+              <a:off x="9562714" y="3539741"/>
+              <a:ext cx="1054950" cy="276999"/>
+            </a:xfrm>
+            <a:prstGeom prst="rect">
+              <a:avLst/>
+            </a:prstGeom>
+            <a:noFill/>
+          </p:spPr>
+          <p:txBody>
+            <a:bodyPr wrap="square" rtlCol="0">
+              <a:spAutoFit/>
+            </a:bodyPr>
+            <a:lstStyle/>
+            <a:p>
+              <a:r>
+                <a:rPr lang="de-DE" sz="1200">
+                  <a:solidFill>
+                    <a:schemeClr val="accent1"/>
+                  </a:solidFill>
+                  <a:latin typeface="Courier New" panose="02070309020205020404" pitchFamily="49" charset="0"/>
+                  <a:cs typeface="Courier New" panose="02070309020205020404" pitchFamily="49" charset="0"/>
+                </a:rPr>
+                <a:t>pred</a:t>
+              </a:r>
+              <a:r>
+                <a:rPr lang="de-DE" sz="1200" baseline="-25000">
+                  <a:solidFill>
+                    <a:schemeClr val="accent1"/>
+                  </a:solidFill>
+                  <a:latin typeface="Courier New" panose="02070309020205020404" pitchFamily="49" charset="0"/>
+                  <a:cs typeface="Courier New" panose="02070309020205020404" pitchFamily="49" charset="0"/>
+                </a:rPr>
+                <a:t>1</a:t>
+              </a:r>
+              <a:r>
+                <a:rPr lang="de-DE" sz="1200">
+                  <a:solidFill>
+                    <a:schemeClr val="accent1"/>
+                  </a:solidFill>
+                  <a:latin typeface="Courier New" panose="02070309020205020404" pitchFamily="49" charset="0"/>
+                  <a:cs typeface="Courier New" panose="02070309020205020404" pitchFamily="49" charset="0"/>
+                </a:rPr>
+                <a:t>-C</a:t>
+              </a:r>
+              <a:r>
+                <a:rPr lang="de-DE" sz="1200" baseline="-25000">
+                  <a:solidFill>
+                    <a:schemeClr val="accent1"/>
+                  </a:solidFill>
+                  <a:latin typeface="Courier New" panose="02070309020205020404" pitchFamily="49" charset="0"/>
+                  <a:cs typeface="Courier New" panose="02070309020205020404" pitchFamily="49" charset="0"/>
+                </a:rPr>
+                <a:t>s+1</a:t>
+              </a:r>
+              <a:endParaRPr lang="de-DE" sz="1200">
+                <a:solidFill>
+                  <a:schemeClr val="accent1"/>
+                </a:solidFill>
+                <a:latin typeface="Courier New" panose="02070309020205020404" pitchFamily="49" charset="0"/>
+                <a:cs typeface="Courier New" panose="02070309020205020404" pitchFamily="49" charset="0"/>
+              </a:endParaRPr>
+            </a:p>
+          </p:txBody>
+        </p:sp>
+        <p:sp>
+          <p:nvSpPr>
+            <p:cNvPr id="35" name="TextBox 34">
+              <a:extLst>
+                <a:ext uri="{FF2B5EF4-FFF2-40B4-BE49-F238E27FC236}">
+                  <a16:creationId xmlns:a16="http://schemas.microsoft.com/office/drawing/2014/main" id="{2848DA29-62E9-6043-AD9B-F5F3F3ADE106}"/>
+                </a:ext>
+              </a:extLst>
+            </p:cNvPr>
+            <p:cNvSpPr txBox="1"/>
+            <p:nvPr/>
+          </p:nvSpPr>
+          <p:spPr>
+            <a:xfrm>
+              <a:off x="9562713" y="3904626"/>
+              <a:ext cx="1054950" cy="276999"/>
+            </a:xfrm>
+            <a:prstGeom prst="rect">
+              <a:avLst/>
+            </a:prstGeom>
+            <a:noFill/>
+          </p:spPr>
+          <p:txBody>
+            <a:bodyPr wrap="square" rtlCol="0">
+              <a:spAutoFit/>
+            </a:bodyPr>
+            <a:lstStyle/>
+            <a:p>
+              <a:r>
+                <a:rPr lang="de-DE" sz="1200">
+                  <a:solidFill>
+                    <a:schemeClr val="accent1"/>
+                  </a:solidFill>
+                  <a:latin typeface="Courier New" panose="02070309020205020404" pitchFamily="49" charset="0"/>
+                  <a:cs typeface="Courier New" panose="02070309020205020404" pitchFamily="49" charset="0"/>
+                </a:rPr>
+                <a:t>...</a:t>
+              </a:r>
+            </a:p>
+          </p:txBody>
+        </p:sp>
+        <p:sp>
+          <p:nvSpPr>
+            <p:cNvPr id="39" name="TextBox 38">
+              <a:extLst>
+                <a:ext uri="{FF2B5EF4-FFF2-40B4-BE49-F238E27FC236}">
+                  <a16:creationId xmlns:a16="http://schemas.microsoft.com/office/drawing/2014/main" id="{7315BE28-F10A-F849-A0C4-3711CECB98A5}"/>
+                </a:ext>
+              </a:extLst>
+            </p:cNvPr>
+            <p:cNvSpPr txBox="1"/>
+            <p:nvPr/>
+          </p:nvSpPr>
+          <p:spPr>
+            <a:xfrm>
+              <a:off x="9562713" y="4269511"/>
+              <a:ext cx="1054950" cy="276999"/>
+            </a:xfrm>
+            <a:prstGeom prst="rect">
+              <a:avLst/>
+            </a:prstGeom>
+            <a:noFill/>
+          </p:spPr>
+          <p:txBody>
+            <a:bodyPr wrap="square" rtlCol="0">
+              <a:spAutoFit/>
+            </a:bodyPr>
+            <a:lstStyle/>
+            <a:p>
+              <a:r>
+                <a:rPr lang="de-DE" sz="1200">
+                  <a:solidFill>
+                    <a:schemeClr val="accent1"/>
+                  </a:solidFill>
+                  <a:latin typeface="Courier New" panose="02070309020205020404" pitchFamily="49" charset="0"/>
+                  <a:cs typeface="Courier New" panose="02070309020205020404" pitchFamily="49" charset="0"/>
+                </a:rPr>
+                <a:t>pred</a:t>
+              </a:r>
+              <a:r>
+                <a:rPr lang="de-DE" sz="1200" baseline="-25000">
+                  <a:solidFill>
+                    <a:schemeClr val="accent1"/>
+                  </a:solidFill>
+                  <a:latin typeface="Courier New" panose="02070309020205020404" pitchFamily="49" charset="0"/>
+                  <a:cs typeface="Courier New" panose="02070309020205020404" pitchFamily="49" charset="0"/>
+                </a:rPr>
+                <a:t>q</a:t>
+              </a:r>
+              <a:r>
+                <a:rPr lang="de-DE" sz="1200">
+                  <a:solidFill>
+                    <a:schemeClr val="accent1"/>
+                  </a:solidFill>
+                  <a:latin typeface="Courier New" panose="02070309020205020404" pitchFamily="49" charset="0"/>
+                  <a:cs typeface="Courier New" panose="02070309020205020404" pitchFamily="49" charset="0"/>
+                </a:rPr>
+                <a:t>-C</a:t>
+              </a:r>
+              <a:r>
+                <a:rPr lang="de-DE" sz="1200" baseline="-25000">
+                  <a:solidFill>
+                    <a:schemeClr val="accent1"/>
+                  </a:solidFill>
+                  <a:latin typeface="Courier New" panose="02070309020205020404" pitchFamily="49" charset="0"/>
+                  <a:cs typeface="Courier New" panose="02070309020205020404" pitchFamily="49" charset="0"/>
+                </a:rPr>
+                <a:t>s+1</a:t>
+              </a:r>
+              <a:endParaRPr lang="de-DE" sz="1200">
+                <a:solidFill>
+                  <a:schemeClr val="accent1"/>
+                </a:solidFill>
+                <a:latin typeface="Courier New" panose="02070309020205020404" pitchFamily="49" charset="0"/>
+                <a:cs typeface="Courier New" panose="02070309020205020404" pitchFamily="49" charset="0"/>
+              </a:endParaRPr>
+            </a:p>
+          </p:txBody>
+        </p:sp>
+        <p:sp>
+          <p:nvSpPr>
+            <p:cNvPr id="41" name="TextBox 40">
+              <a:extLst>
+                <a:ext uri="{FF2B5EF4-FFF2-40B4-BE49-F238E27FC236}">
+                  <a16:creationId xmlns:a16="http://schemas.microsoft.com/office/drawing/2014/main" id="{07BC9CA2-133D-014E-95F4-A5D74076F0A5}"/>
+                </a:ext>
+              </a:extLst>
+            </p:cNvPr>
+            <p:cNvSpPr txBox="1"/>
+            <p:nvPr/>
+          </p:nvSpPr>
+          <p:spPr>
+            <a:xfrm>
+              <a:off x="9067475" y="3053124"/>
+              <a:ext cx="2032392" cy="523220"/>
+            </a:xfrm>
+            <a:prstGeom prst="rect">
+              <a:avLst/>
+            </a:prstGeom>
+            <a:noFill/>
+          </p:spPr>
+          <p:txBody>
+            <a:bodyPr wrap="square" rtlCol="0">
+              <a:spAutoFit/>
+            </a:bodyPr>
+            <a:lstStyle/>
+            <a:p>
+              <a:pPr algn="ctr"/>
+              <a:r>
+                <a:rPr lang="de-DE" sz="1400">
+                  <a:solidFill>
+                    <a:schemeClr val="accent1"/>
+                  </a:solidFill>
+                </a:rPr>
+                <a:t>top-q candidate </a:t>
+              </a:r>
+            </a:p>
+            <a:p>
+              <a:pPr algn="ctr"/>
+              <a:r>
+                <a:rPr lang="de-DE" sz="1400">
+                  <a:solidFill>
+                    <a:schemeClr val="accent1"/>
+                  </a:solidFill>
+                </a:rPr>
+                <a:t>classes</a:t>
+              </a:r>
+            </a:p>
+          </p:txBody>
+        </p:sp>
+        <p:sp>
+          <p:nvSpPr>
+            <p:cNvPr id="44" name="Rectangle 43">
+              <a:extLst>
+                <a:ext uri="{FF2B5EF4-FFF2-40B4-BE49-F238E27FC236}">
+                  <a16:creationId xmlns:a16="http://schemas.microsoft.com/office/drawing/2014/main" id="{A30B5623-ADF3-FD41-8A9D-0BFB06FA47B7}"/>
+                </a:ext>
+              </a:extLst>
+            </p:cNvPr>
+            <p:cNvSpPr/>
+            <p:nvPr/>
+          </p:nvSpPr>
+          <p:spPr>
+            <a:xfrm>
+              <a:off x="9397214" y="3047577"/>
+              <a:ext cx="1334866" cy="1624231"/>
+            </a:xfrm>
+            <a:prstGeom prst="rect">
+              <a:avLst/>
+            </a:prstGeom>
+            <a:noFill/>
+            <a:ln>
+              <a:solidFill>
+                <a:schemeClr val="accent1"/>
+              </a:solidFill>
+              <a:prstDash val="dash"/>
+            </a:ln>
+          </p:spPr>
+          <p:style>
+            <a:lnRef idx="2">
+              <a:schemeClr val="accent1">
+                <a:shade val="50000"/>
+              </a:schemeClr>
+            </a:lnRef>
+            <a:fillRef idx="1">
+              <a:schemeClr val="accent1"/>
+            </a:fillRef>
+            <a:effectRef idx="0">
+              <a:schemeClr val="accent1"/>
+            </a:effectRef>
+            <a:fontRef idx="minor">
+              <a:schemeClr val="lt1"/>
+            </a:fontRef>
+          </p:style>
+          <p:txBody>
+            <a:bodyPr rot="0" spcFirstLastPara="0" vertOverflow="overflow" horzOverflow="overflow" vert="horz" wrap="square" lIns="91440" tIns="45720" rIns="91440" bIns="45720" numCol="1" spcCol="0" rtlCol="0" fromWordArt="0" anchor="ctr" anchorCtr="0" forceAA="0" compatLnSpc="1">
+              <a:prstTxWarp prst="textNoShape">
+                <a:avLst/>
+              </a:prstTxWarp>
+              <a:noAutofit/>
+            </a:bodyPr>
+            <a:lstStyle/>
+            <a:p>
+              <a:pPr algn="ctr"/>
+              <a:endParaRPr lang="de-DE" sz="1400">
+                <a:solidFill>
+                  <a:schemeClr val="tx1"/>
+                </a:solidFill>
+              </a:endParaRPr>
+            </a:p>
+          </p:txBody>
+        </p:sp>
+      </p:grpSp>
+      <p:grpSp>
+        <p:nvGrpSpPr>
+          <p:cNvPr id="11" name="Group 10">
+            <a:extLst>
+              <a:ext uri="{FF2B5EF4-FFF2-40B4-BE49-F238E27FC236}">
+                <a16:creationId xmlns:a16="http://schemas.microsoft.com/office/drawing/2014/main" id="{7C63FB1B-3CD5-F249-A064-4BF4A3CF3016}"/>
+              </a:ext>
+            </a:extLst>
+          </p:cNvPr>
+          <p:cNvGrpSpPr/>
+          <p:nvPr/>
+        </p:nvGrpSpPr>
+        <p:grpSpPr>
+          <a:xfrm>
+            <a:off x="10504424" y="3055966"/>
+            <a:ext cx="1764440" cy="1624231"/>
+            <a:chOff x="10479290" y="3047577"/>
+            <a:chExt cx="2032392" cy="1624231"/>
+          </a:xfrm>
+        </p:grpSpPr>
+        <p:sp>
+          <p:nvSpPr>
+            <p:cNvPr id="42" name="TextBox 41">
+              <a:extLst>
+                <a:ext uri="{FF2B5EF4-FFF2-40B4-BE49-F238E27FC236}">
+                  <a16:creationId xmlns:a16="http://schemas.microsoft.com/office/drawing/2014/main" id="{E2EA894D-84BE-0747-922D-CA8A4D8A75CA}"/>
+                </a:ext>
+              </a:extLst>
+            </p:cNvPr>
+            <p:cNvSpPr txBox="1"/>
+            <p:nvPr/>
+          </p:nvSpPr>
+          <p:spPr>
+            <a:xfrm>
+              <a:off x="10479290" y="3048868"/>
+              <a:ext cx="2032392" cy="523220"/>
+            </a:xfrm>
+            <a:prstGeom prst="rect">
+              <a:avLst/>
+            </a:prstGeom>
+            <a:noFill/>
+          </p:spPr>
+          <p:txBody>
+            <a:bodyPr wrap="square" rtlCol="0">
+              <a:spAutoFit/>
+            </a:bodyPr>
+            <a:lstStyle/>
+            <a:p>
+              <a:pPr algn="ctr"/>
+              <a:r>
+                <a:rPr lang="de-DE" sz="1400">
+                  <a:solidFill>
+                    <a:srgbClr val="FF0000"/>
+                  </a:solidFill>
+                </a:rPr>
+                <a:t>next predicted embedding</a:t>
+              </a:r>
+            </a:p>
+          </p:txBody>
+        </p:sp>
+        <mc:AlternateContent xmlns:mc="http://schemas.openxmlformats.org/markup-compatibility/2006">
+          <mc:Choice xmlns:a14="http://schemas.microsoft.com/office/drawing/2010/main" Requires="a14">
+            <p:sp>
+              <p:nvSpPr>
+                <p:cNvPr id="43" name="TextBox 42">
+                  <a:extLst>
+                    <a:ext uri="{FF2B5EF4-FFF2-40B4-BE49-F238E27FC236}">
+                      <a16:creationId xmlns:a16="http://schemas.microsoft.com/office/drawing/2014/main" id="{4FFBC617-A69B-2D4D-9F92-21680E858F9C}"/>
+                    </a:ext>
+                  </a:extLst>
+                </p:cNvPr>
+                <p:cNvSpPr txBox="1"/>
+                <p:nvPr/>
+              </p:nvSpPr>
+              <p:spPr>
+                <a:xfrm>
+                  <a:off x="10968710" y="3559264"/>
+                  <a:ext cx="1054950" cy="968278"/>
+                </a:xfrm>
+                <a:prstGeom prst="rect">
+                  <a:avLst/>
+                </a:prstGeom>
+                <a:noFill/>
+              </p:spPr>
+              <p:txBody>
+                <a:bodyPr wrap="square" rtlCol="0">
+                  <a:spAutoFit/>
+                </a:bodyPr>
+                <a:lstStyle/>
+                <a:p>
+                  <a:pPr/>
+                  <a14:m>
+                    <m:oMathPara xmlns:m="http://schemas.openxmlformats.org/officeDocument/2006/math">
+                      <m:oMathParaPr>
+                        <m:jc m:val="centerGroup"/>
+                      </m:oMathParaPr>
+                      <m:oMath xmlns:m="http://schemas.openxmlformats.org/officeDocument/2006/math">
+                        <m:d>
+                          <m:dPr>
+                            <m:ctrlPr>
+                              <a:rPr lang="de-DE" sz="2000" i="1">
+                                <a:solidFill>
+                                  <a:srgbClr val="FF0000"/>
+                                </a:solidFill>
+                                <a:latin typeface="Cambria Math" panose="02040503050406030204" pitchFamily="18" charset="0"/>
+                                <a:cs typeface="Courier New" panose="02070309020205020404" pitchFamily="49" charset="0"/>
+                              </a:rPr>
+                            </m:ctrlPr>
+                          </m:dPr>
+                          <m:e>
+                            <m:f>
+                              <m:fPr>
+                                <m:type m:val="noBar"/>
+                                <m:ctrlPr>
+                                  <a:rPr lang="de-DE" sz="2000" i="1">
+                                    <a:solidFill>
+                                      <a:srgbClr val="FF0000"/>
+                                    </a:solidFill>
+                                    <a:latin typeface="Cambria Math" panose="02040503050406030204" pitchFamily="18" charset="0"/>
+                                    <a:cs typeface="Courier New" panose="02070309020205020404" pitchFamily="49" charset="0"/>
+                                  </a:rPr>
+                                </m:ctrlPr>
+                              </m:fPr>
+                              <m:num>
+                                <m:f>
+                                  <m:fPr>
+                                    <m:type m:val="noBar"/>
+                                    <m:ctrlPr>
+                                      <a:rPr lang="de-DE" sz="2000" i="1">
+                                        <a:solidFill>
+                                          <a:srgbClr val="FF0000"/>
+                                        </a:solidFill>
+                                        <a:latin typeface="Cambria Math" panose="02040503050406030204" pitchFamily="18" charset="0"/>
+                                        <a:cs typeface="Courier New" panose="02070309020205020404" pitchFamily="49" charset="0"/>
+                                      </a:rPr>
+                                    </m:ctrlPr>
+                                  </m:fPr>
+                                  <m:num>
+                                    <m:f>
+                                      <m:fPr>
+                                        <m:type m:val="noBar"/>
+                                        <m:ctrlPr>
+                                          <a:rPr lang="de-DE" sz="2000" i="1">
+                                            <a:solidFill>
+                                              <a:srgbClr val="FF0000"/>
+                                            </a:solidFill>
+                                            <a:latin typeface="Cambria Math" panose="02040503050406030204" pitchFamily="18" charset="0"/>
+                                            <a:cs typeface="Courier New" panose="02070309020205020404" pitchFamily="49" charset="0"/>
+                                          </a:rPr>
+                                        </m:ctrlPr>
+                                      </m:fPr>
+                                      <m:num>
+                                        <m:r>
+                                          <a:rPr lang="de-DE" sz="2000" b="0" i="1">
+                                            <a:solidFill>
+                                              <a:srgbClr val="FF0000"/>
+                                            </a:solidFill>
+                                            <a:latin typeface="Cambria Math" panose="02040503050406030204" pitchFamily="18" charset="0"/>
+                                            <a:cs typeface="Courier New" panose="02070309020205020404" pitchFamily="49" charset="0"/>
+                                          </a:rPr>
+                                          <m:t>0.132</m:t>
+                                        </m:r>
+                                      </m:num>
+                                      <m:den>
+                                        <m:r>
+                                          <a:rPr lang="de-DE" sz="2000" b="0" i="1">
+                                            <a:solidFill>
+                                              <a:srgbClr val="FF0000"/>
+                                            </a:solidFill>
+                                            <a:latin typeface="Cambria Math" panose="02040503050406030204" pitchFamily="18" charset="0"/>
+                                            <a:cs typeface="Courier New" panose="02070309020205020404" pitchFamily="49" charset="0"/>
+                                          </a:rPr>
+                                          <m:t>0.982</m:t>
+                                        </m:r>
+                                      </m:den>
+                                    </m:f>
+                                  </m:num>
+                                  <m:den>
+                                    <m:r>
+                                      <a:rPr lang="de-DE" sz="2000" b="0" i="1">
+                                        <a:solidFill>
+                                          <a:srgbClr val="FF0000"/>
+                                        </a:solidFill>
+                                        <a:latin typeface="Cambria Math" panose="02040503050406030204" pitchFamily="18" charset="0"/>
+                                        <a:cs typeface="Courier New" panose="02070309020205020404" pitchFamily="49" charset="0"/>
+                                      </a:rPr>
+                                      <m:t>…</m:t>
+                                    </m:r>
+                                  </m:den>
+                                </m:f>
+                              </m:num>
+                              <m:den>
+                                <m:f>
+                                  <m:fPr>
+                                    <m:type m:val="noBar"/>
+                                    <m:ctrlPr>
+                                      <a:rPr lang="de-DE" sz="2000" i="1">
+                                        <a:solidFill>
+                                          <a:srgbClr val="FF0000"/>
+                                        </a:solidFill>
+                                        <a:latin typeface="Cambria Math" panose="02040503050406030204" pitchFamily="18" charset="0"/>
+                                        <a:cs typeface="Courier New" panose="02070309020205020404" pitchFamily="49" charset="0"/>
+                                      </a:rPr>
+                                    </m:ctrlPr>
+                                  </m:fPr>
+                                  <m:num>
+                                    <m:r>
+                                      <a:rPr lang="de-DE" sz="2000" b="0" i="1">
+                                        <a:solidFill>
+                                          <a:srgbClr val="FF0000"/>
+                                        </a:solidFill>
+                                        <a:latin typeface="Cambria Math" panose="02040503050406030204" pitchFamily="18" charset="0"/>
+                                        <a:cs typeface="Courier New" panose="02070309020205020404" pitchFamily="49" charset="0"/>
+                                      </a:rPr>
+                                      <m:t>…</m:t>
+                                    </m:r>
+                                  </m:num>
+                                  <m:den>
+                                    <m:f>
+                                      <m:fPr>
+                                        <m:type m:val="noBar"/>
+                                        <m:ctrlPr>
+                                          <a:rPr lang="de-DE" sz="2000" i="1">
+                                            <a:solidFill>
+                                              <a:srgbClr val="FF0000"/>
+                                            </a:solidFill>
+                                            <a:latin typeface="Cambria Math" panose="02040503050406030204" pitchFamily="18" charset="0"/>
+                                            <a:cs typeface="Courier New" panose="02070309020205020404" pitchFamily="49" charset="0"/>
+                                          </a:rPr>
+                                        </m:ctrlPr>
+                                      </m:fPr>
+                                      <m:num>
+                                        <m:r>
+                                          <a:rPr lang="de-DE" sz="2000" b="0" i="1">
+                                            <a:solidFill>
+                                              <a:srgbClr val="FF0000"/>
+                                            </a:solidFill>
+                                            <a:latin typeface="Cambria Math" panose="02040503050406030204" pitchFamily="18" charset="0"/>
+                                            <a:cs typeface="Courier New" panose="02070309020205020404" pitchFamily="49" charset="0"/>
+                                          </a:rPr>
+                                          <m:t>0.113</m:t>
+                                        </m:r>
+                                      </m:num>
+                                      <m:den>
+                                        <m:r>
+                                          <a:rPr lang="de-DE" sz="2000" b="0" i="1">
+                                            <a:solidFill>
+                                              <a:srgbClr val="FF0000"/>
+                                            </a:solidFill>
+                                            <a:latin typeface="Cambria Math" panose="02040503050406030204" pitchFamily="18" charset="0"/>
+                                            <a:cs typeface="Courier New" panose="02070309020205020404" pitchFamily="49" charset="0"/>
+                                          </a:rPr>
+                                          <m:t>0.923</m:t>
+                                        </m:r>
+                                      </m:den>
+                                    </m:f>
+                                  </m:den>
+                                </m:f>
+                              </m:den>
+                            </m:f>
+                          </m:e>
+                        </m:d>
+                      </m:oMath>
+                    </m:oMathPara>
+                  </a14:m>
+                  <a:endParaRPr lang="de-DE" sz="2000">
+                    <a:solidFill>
+                      <a:srgbClr val="FF0000"/>
+                    </a:solidFill>
+                    <a:latin typeface="Courier New" panose="02070309020205020404" pitchFamily="49" charset="0"/>
+                    <a:cs typeface="Courier New" panose="02070309020205020404" pitchFamily="49" charset="0"/>
+                  </a:endParaRPr>
+                </a:p>
+              </p:txBody>
+            </p:sp>
+          </mc:Choice>
+          <mc:Fallback>
+            <p:sp>
+              <p:nvSpPr>
+                <p:cNvPr id="43" name="TextBox 42">
+                  <a:extLst>
+                    <a:ext uri="{FF2B5EF4-FFF2-40B4-BE49-F238E27FC236}">
+                      <a16:creationId xmlns:a16="http://schemas.microsoft.com/office/drawing/2014/main" id="{4FFBC617-A69B-2D4D-9F92-21680E858F9C}"/>
+                    </a:ext>
+                  </a:extLst>
+                </p:cNvPr>
+                <p:cNvSpPr txBox="1">
+                  <a:spLocks noRot="1" noChangeAspect="1" noMove="1" noResize="1" noEditPoints="1" noAdjustHandles="1" noChangeArrowheads="1" noChangeShapeType="1" noTextEdit="1"/>
+                </p:cNvSpPr>
+                <p:nvPr/>
+              </p:nvSpPr>
+              <p:spPr>
+                <a:xfrm>
+                  <a:off x="10968710" y="3559264"/>
+                  <a:ext cx="1054950" cy="968278"/>
+                </a:xfrm>
+                <a:prstGeom prst="rect">
+                  <a:avLst/>
+                </a:prstGeom>
+                <a:blipFill>
+                  <a:blip r:embed="rId2"/>
+                  <a:stretch>
+                    <a:fillRect/>
+                  </a:stretch>
+                </a:blipFill>
+              </p:spPr>
+              <p:txBody>
+                <a:bodyPr/>
+                <a:lstStyle/>
+                <a:p>
+                  <a:r>
+                    <a:rPr lang="de-DE">
+                      <a:noFill/>
+                    </a:rPr>
+                    <a:t> </a:t>
+                  </a:r>
+                </a:p>
+              </p:txBody>
+            </p:sp>
+          </mc:Fallback>
+        </mc:AlternateContent>
+        <p:sp>
+          <p:nvSpPr>
+            <p:cNvPr id="45" name="Rectangle 44">
+              <a:extLst>
+                <a:ext uri="{FF2B5EF4-FFF2-40B4-BE49-F238E27FC236}">
+                  <a16:creationId xmlns:a16="http://schemas.microsoft.com/office/drawing/2014/main" id="{816DEEAE-BEAC-8446-9EB7-6A11568F2E0C}"/>
+                </a:ext>
+              </a:extLst>
+            </p:cNvPr>
+            <p:cNvSpPr/>
+            <p:nvPr/>
+          </p:nvSpPr>
+          <p:spPr>
+            <a:xfrm>
+              <a:off x="10815047" y="3047577"/>
+              <a:ext cx="1334866" cy="1624231"/>
+            </a:xfrm>
+            <a:prstGeom prst="rect">
+              <a:avLst/>
+            </a:prstGeom>
+            <a:noFill/>
+            <a:ln>
+              <a:solidFill>
+                <a:srgbClr val="FF0000"/>
+              </a:solidFill>
+              <a:prstDash val="dash"/>
+            </a:ln>
+          </p:spPr>
+          <p:style>
+            <a:lnRef idx="2">
+              <a:schemeClr val="accent1">
+                <a:shade val="50000"/>
+              </a:schemeClr>
+            </a:lnRef>
+            <a:fillRef idx="1">
+              <a:schemeClr val="accent1"/>
+            </a:fillRef>
+            <a:effectRef idx="0">
+              <a:schemeClr val="accent1"/>
+            </a:effectRef>
+            <a:fontRef idx="minor">
+              <a:schemeClr val="lt1"/>
+            </a:fontRef>
+          </p:style>
+          <p:txBody>
+            <a:bodyPr rot="0" spcFirstLastPara="0" vertOverflow="overflow" horzOverflow="overflow" vert="horz" wrap="square" lIns="91440" tIns="45720" rIns="91440" bIns="45720" numCol="1" spcCol="0" rtlCol="0" fromWordArt="0" anchor="ctr" anchorCtr="0" forceAA="0" compatLnSpc="1">
+              <a:prstTxWarp prst="textNoShape">
+                <a:avLst/>
+              </a:prstTxWarp>
+              <a:noAutofit/>
+            </a:bodyPr>
+            <a:lstStyle/>
+            <a:p>
+              <a:pPr algn="ctr"/>
+              <a:endParaRPr lang="de-DE" sz="1400">
+                <a:solidFill>
+                  <a:schemeClr val="tx1"/>
+                </a:solidFill>
+              </a:endParaRPr>
+            </a:p>
+          </p:txBody>
+        </p:sp>
+      </p:grpSp>
+      <p:sp>
+        <p:nvSpPr>
+          <p:cNvPr id="46" name="Rounded Rectangle 45">
+            <a:extLst>
+              <a:ext uri="{FF2B5EF4-FFF2-40B4-BE49-F238E27FC236}">
+                <a16:creationId xmlns:a16="http://schemas.microsoft.com/office/drawing/2014/main" id="{207D9220-5697-1348-BAD6-2E0125454BCD}"/>
+              </a:ext>
+            </a:extLst>
+          </p:cNvPr>
+          <p:cNvSpPr/>
+          <p:nvPr/>
+        </p:nvSpPr>
+        <p:spPr>
+          <a:xfrm>
+            <a:off x="6599583" y="3508216"/>
+            <a:ext cx="1725433" cy="706866"/>
+          </a:xfrm>
+          <a:prstGeom prst="roundRect">
+            <a:avLst/>
+          </a:prstGeom>
+          <a:noFill/>
+          <a:ln>
+            <a:solidFill>
+              <a:schemeClr val="tx1"/>
+            </a:solidFill>
+          </a:ln>
+        </p:spPr>
+        <p:style>
+          <a:lnRef idx="2">
+            <a:schemeClr val="accent1">
+              <a:shade val="50000"/>
+            </a:schemeClr>
+          </a:lnRef>
+          <a:fillRef idx="1">
+            <a:schemeClr val="accent1"/>
+          </a:fillRef>
+          <a:effectRef idx="0">
+            <a:schemeClr val="accent1"/>
+          </a:effectRef>
+          <a:fontRef idx="minor">
+            <a:schemeClr val="lt1"/>
+          </a:fontRef>
+        </p:style>
+        <p:txBody>
+          <a:bodyPr rtlCol="0" anchor="ctr"/>
+          <a:lstStyle/>
+          <a:p>
+            <a:pPr algn="ctr"/>
+            <a:r>
+              <a:rPr lang="de-DE" sz="1400">
+                <a:solidFill>
+                  <a:schemeClr val="tx1"/>
+                </a:solidFill>
+              </a:rPr>
+              <a:t>LSTM </a:t>
+            </a:r>
+          </a:p>
+          <a:p>
+            <a:pPr algn="ctr"/>
+            <a:r>
+              <a:rPr lang="de-DE" sz="1400">
+                <a:solidFill>
+                  <a:schemeClr val="tx1"/>
+                </a:solidFill>
+              </a:rPr>
+              <a:t>trained on dataset A</a:t>
+            </a:r>
+          </a:p>
+        </p:txBody>
+      </p:sp>
+      <p:cxnSp>
+        <p:nvCxnSpPr>
+          <p:cNvPr id="47" name="Straight Arrow Connector 46">
+            <a:extLst>
+              <a:ext uri="{FF2B5EF4-FFF2-40B4-BE49-F238E27FC236}">
+                <a16:creationId xmlns:a16="http://schemas.microsoft.com/office/drawing/2014/main" id="{C208BD5E-8C2E-6946-B8C2-5074A6D9877D}"/>
+              </a:ext>
+            </a:extLst>
+          </p:cNvPr>
+          <p:cNvCxnSpPr>
+            <a:cxnSpLocks/>
+          </p:cNvCxnSpPr>
+          <p:nvPr/>
+        </p:nvCxnSpPr>
+        <p:spPr>
+          <a:xfrm flipV="1">
+            <a:off x="8330550" y="3856383"/>
+            <a:ext cx="1139454" cy="5266"/>
+          </a:xfrm>
+          <a:prstGeom prst="straightConnector1">
+            <a:avLst/>
+          </a:prstGeom>
+          <a:ln>
+            <a:solidFill>
+              <a:schemeClr val="tx1"/>
+            </a:solidFill>
+            <a:tailEnd type="triangle"/>
+          </a:ln>
+        </p:spPr>
+        <p:style>
+          <a:lnRef idx="1">
+            <a:schemeClr val="accent1"/>
+          </a:lnRef>
+          <a:fillRef idx="0">
+            <a:schemeClr val="accent1"/>
+          </a:fillRef>
+          <a:effectRef idx="0">
+            <a:schemeClr val="accent1"/>
+          </a:effectRef>
+          <a:fontRef idx="minor">
+            <a:schemeClr val="tx1"/>
+          </a:fontRef>
+        </p:style>
+      </p:cxnSp>
+      <p:sp>
+        <p:nvSpPr>
+          <p:cNvPr id="48" name="TextBox 47">
+            <a:extLst>
+              <a:ext uri="{FF2B5EF4-FFF2-40B4-BE49-F238E27FC236}">
+                <a16:creationId xmlns:a16="http://schemas.microsoft.com/office/drawing/2014/main" id="{F02E042A-DE6D-E840-9402-92FDBD0C16F5}"/>
+              </a:ext>
+            </a:extLst>
+          </p:cNvPr>
+          <p:cNvSpPr txBox="1"/>
+          <p:nvPr/>
+        </p:nvSpPr>
+        <p:spPr>
+          <a:xfrm>
+            <a:off x="8285260" y="3861615"/>
+            <a:ext cx="1238574" cy="307777"/>
+          </a:xfrm>
+          <a:prstGeom prst="rect">
+            <a:avLst/>
+          </a:prstGeom>
+          <a:noFill/>
+        </p:spPr>
+        <p:txBody>
+          <a:bodyPr wrap="square" rtlCol="0">
+            <a:spAutoFit/>
+          </a:bodyPr>
+          <a:lstStyle/>
+          <a:p>
+            <a:pPr algn="ctr"/>
+            <a:r>
+              <a:rPr lang="de-DE" sz="1400"/>
+              <a:t>predictions</a:t>
+            </a:r>
+          </a:p>
+        </p:txBody>
+      </p:sp>
+      <p:sp>
+        <p:nvSpPr>
+          <p:cNvPr id="49" name="Rectangle 48">
+            <a:extLst>
+              <a:ext uri="{FF2B5EF4-FFF2-40B4-BE49-F238E27FC236}">
+                <a16:creationId xmlns:a16="http://schemas.microsoft.com/office/drawing/2014/main" id="{2FDABE0D-022E-0248-BF97-3A59DDBDD05E}"/>
+              </a:ext>
+            </a:extLst>
+          </p:cNvPr>
+          <p:cNvSpPr/>
+          <p:nvPr/>
+        </p:nvSpPr>
+        <p:spPr>
+          <a:xfrm>
+            <a:off x="4558675" y="2383683"/>
+            <a:ext cx="6096000" cy="523220"/>
+          </a:xfrm>
+          <a:prstGeom prst="rect">
+            <a:avLst/>
+          </a:prstGeom>
+        </p:spPr>
+        <p:txBody>
+          <a:bodyPr>
+            <a:spAutoFit/>
+          </a:bodyPr>
+          <a:lstStyle/>
+          <a:p>
+            <a:pPr algn="ctr"/>
+            <a:r>
+              <a:rPr lang="de-DE" sz="1400"/>
+              <a:t>Embedding sequence</a:t>
+            </a:r>
+          </a:p>
+          <a:p>
+            <a:pPr algn="ctr"/>
+            <a:r>
+              <a:rPr lang="de-DE" sz="1400">
+                <a:latin typeface="Courier New" panose="02070309020205020404" pitchFamily="49" charset="0"/>
+                <a:cs typeface="Courier New" panose="02070309020205020404" pitchFamily="49" charset="0"/>
+              </a:rPr>
+              <a:t>(e</a:t>
+            </a:r>
+            <a:r>
+              <a:rPr lang="de-DE" sz="1400" baseline="-25000">
+                <a:latin typeface="Courier New" panose="02070309020205020404" pitchFamily="49" charset="0"/>
+                <a:cs typeface="Courier New" panose="02070309020205020404" pitchFamily="49" charset="0"/>
+              </a:rPr>
+              <a:t>i</a:t>
+            </a:r>
+            <a:r>
+              <a:rPr lang="de-DE" sz="1400">
+                <a:latin typeface="Courier New" panose="02070309020205020404" pitchFamily="49" charset="0"/>
+                <a:cs typeface="Courier New" panose="02070309020205020404" pitchFamily="49" charset="0"/>
+              </a:rPr>
+              <a:t>, e</a:t>
+            </a:r>
+            <a:r>
+              <a:rPr lang="de-DE" sz="1400" baseline="-25000">
+                <a:latin typeface="Courier New" panose="02070309020205020404" pitchFamily="49" charset="0"/>
+                <a:cs typeface="Courier New" panose="02070309020205020404" pitchFamily="49" charset="0"/>
+              </a:rPr>
+              <a:t>i+1</a:t>
+            </a:r>
+            <a:r>
+              <a:rPr lang="de-DE" sz="1400">
+                <a:latin typeface="Courier New" panose="02070309020205020404" pitchFamily="49" charset="0"/>
+                <a:cs typeface="Courier New" panose="02070309020205020404" pitchFamily="49" charset="0"/>
+              </a:rPr>
+              <a:t>,..., e</a:t>
+            </a:r>
+            <a:r>
+              <a:rPr lang="de-DE" sz="1400" baseline="-25000">
+                <a:latin typeface="Courier New" panose="02070309020205020404" pitchFamily="49" charset="0"/>
+                <a:cs typeface="Courier New" panose="02070309020205020404" pitchFamily="49" charset="0"/>
+              </a:rPr>
+              <a:t>i+s</a:t>
+            </a:r>
+            <a:r>
+              <a:rPr lang="de-DE" sz="1400">
+                <a:latin typeface="Courier New" panose="02070309020205020404" pitchFamily="49" charset="0"/>
+                <a:cs typeface="Courier New" panose="02070309020205020404" pitchFamily="49" charset="0"/>
+              </a:rPr>
+              <a:t>)</a:t>
+            </a:r>
+            <a:endParaRPr lang="de-DE" sz="1400"/>
+          </a:p>
+        </p:txBody>
+      </p:sp>
+      <p:cxnSp>
+        <p:nvCxnSpPr>
+          <p:cNvPr id="50" name="Straight Arrow Connector 49">
+            <a:extLst>
+              <a:ext uri="{FF2B5EF4-FFF2-40B4-BE49-F238E27FC236}">
+                <a16:creationId xmlns:a16="http://schemas.microsoft.com/office/drawing/2014/main" id="{0739A611-23A8-EE4E-B963-B4A4AE8C064A}"/>
+              </a:ext>
+            </a:extLst>
+          </p:cNvPr>
+          <p:cNvCxnSpPr>
+            <a:cxnSpLocks/>
+          </p:cNvCxnSpPr>
+          <p:nvPr/>
+        </p:nvCxnSpPr>
+        <p:spPr>
+          <a:xfrm>
+            <a:off x="7417908" y="2898952"/>
+            <a:ext cx="0" cy="598768"/>
+          </a:xfrm>
+          <a:prstGeom prst="straightConnector1">
+            <a:avLst/>
+          </a:prstGeom>
+          <a:ln>
+            <a:solidFill>
+              <a:schemeClr val="tx1"/>
+            </a:solidFill>
+            <a:tailEnd type="triangle"/>
+          </a:ln>
+        </p:spPr>
+        <p:style>
+          <a:lnRef idx="1">
+            <a:schemeClr val="accent1"/>
+          </a:lnRef>
+          <a:fillRef idx="0">
+            <a:schemeClr val="accent1"/>
+          </a:fillRef>
+          <a:effectRef idx="0">
+            <a:schemeClr val="accent1"/>
+          </a:effectRef>
+          <a:fontRef idx="minor">
+            <a:schemeClr val="tx1"/>
+          </a:fontRef>
+        </p:style>
+      </p:cxnSp>
+      <p:sp>
+        <p:nvSpPr>
+          <p:cNvPr id="51" name="TextBox 50">
+            <a:extLst>
+              <a:ext uri="{FF2B5EF4-FFF2-40B4-BE49-F238E27FC236}">
+                <a16:creationId xmlns:a16="http://schemas.microsoft.com/office/drawing/2014/main" id="{3E0379EC-C86E-C545-B2EA-1EFA85051A4C}"/>
+              </a:ext>
+            </a:extLst>
+          </p:cNvPr>
+          <p:cNvSpPr txBox="1"/>
+          <p:nvPr/>
+        </p:nvSpPr>
+        <p:spPr>
+          <a:xfrm>
+            <a:off x="7432735" y="2986903"/>
+            <a:ext cx="688258" cy="307777"/>
+          </a:xfrm>
+          <a:prstGeom prst="rect">
+            <a:avLst/>
+          </a:prstGeom>
+          <a:noFill/>
+        </p:spPr>
+        <p:txBody>
+          <a:bodyPr wrap="square" rtlCol="0">
+            <a:spAutoFit/>
+          </a:bodyPr>
+          <a:lstStyle/>
+          <a:p>
+            <a:r>
+              <a:rPr lang="de-DE" sz="1400"/>
+              <a:t>input</a:t>
+            </a:r>
+          </a:p>
+        </p:txBody>
+      </p:sp>
+      <p:sp>
+        <p:nvSpPr>
+          <p:cNvPr id="53" name="Rectangle 52">
+            <a:extLst>
+              <a:ext uri="{FF2B5EF4-FFF2-40B4-BE49-F238E27FC236}">
+                <a16:creationId xmlns:a16="http://schemas.microsoft.com/office/drawing/2014/main" id="{D5C2BA7D-26D6-7C48-B2E0-37AB9BE40D1D}"/>
+              </a:ext>
+            </a:extLst>
+          </p:cNvPr>
+          <p:cNvSpPr/>
+          <p:nvPr/>
+        </p:nvSpPr>
+        <p:spPr>
+          <a:xfrm>
+            <a:off x="292147" y="5825956"/>
             <a:ext cx="264401" cy="226955"/>
           </a:xfrm>
           <a:prstGeom prst="rect">
@@ -3862,50 +4919,10 @@
       </p:sp>
       <p:sp>
         <p:nvSpPr>
-          <p:cNvPr id="37" name="TextBox 36">
+          <p:cNvPr id="54" name="Rectangle 53">
             <a:extLst>
               <a:ext uri="{FF2B5EF4-FFF2-40B4-BE49-F238E27FC236}">
-                <a16:creationId xmlns:a16="http://schemas.microsoft.com/office/drawing/2014/main" id="{E3A4DAA2-6C31-0847-A065-E6347424D128}"/>
-              </a:ext>
-            </a:extLst>
-          </p:cNvPr>
-          <p:cNvSpPr txBox="1"/>
-          <p:nvPr/>
-        </p:nvSpPr>
-        <p:spPr>
-          <a:xfrm>
-            <a:off x="1812143" y="5601963"/>
-            <a:ext cx="1203873" cy="307777"/>
-          </a:xfrm>
-          <a:prstGeom prst="rect">
-            <a:avLst/>
-          </a:prstGeom>
-          <a:noFill/>
-        </p:spPr>
-        <p:txBody>
-          <a:bodyPr wrap="square" rtlCol="0">
-            <a:spAutoFit/>
-          </a:bodyPr>
-          <a:lstStyle/>
-          <a:p>
-            <a:pPr algn="l"/>
-            <a:r>
-              <a:rPr lang="de-DE" sz="1400">
-                <a:solidFill>
-                  <a:schemeClr val="accent1"/>
-                </a:solidFill>
-              </a:rPr>
-              <a:t>Classification</a:t>
-            </a:r>
-          </a:p>
-        </p:txBody>
-      </p:sp>
-      <p:sp>
-        <p:nvSpPr>
-          <p:cNvPr id="38" name="Rectangle 37">
-            <a:extLst>
-              <a:ext uri="{FF2B5EF4-FFF2-40B4-BE49-F238E27FC236}">
-                <a16:creationId xmlns:a16="http://schemas.microsoft.com/office/drawing/2014/main" id="{51BA3BEC-973F-4F48-A4F4-2078B89FDBCD}"/>
+                <a16:creationId xmlns:a16="http://schemas.microsoft.com/office/drawing/2014/main" id="{2B7DFC6A-6E67-6949-887B-AD4FAD9A3946}"/>
               </a:ext>
             </a:extLst>
           </p:cNvPr>
@@ -3914,18 +4931,19 @@
         </p:nvSpPr>
         <p:spPr>
           <a:xfrm>
-            <a:off x="3323430" y="679623"/>
-            <a:ext cx="7204954" cy="4922338"/>
+            <a:off x="292146" y="6255758"/>
+            <a:ext cx="264401" cy="226955"/>
           </a:xfrm>
           <a:prstGeom prst="rect">
             <a:avLst/>
           </a:prstGeom>
-          <a:noFill/>
+          <a:solidFill>
+            <a:srgbClr val="FF0000"/>
+          </a:solidFill>
           <a:ln>
             <a:solidFill>
-              <a:schemeClr val="tx1"/>
+              <a:srgbClr val="FF0000"/>
             </a:solidFill>
-            <a:prstDash val="dash"/>
           </a:ln>
         </p:spPr>
         <p:style>
@@ -3945,20 +4963,29 @@
           </a:fontRef>
         </p:style>
         <p:txBody>
-          <a:bodyPr rtlCol="0" anchor="ctr"/>
+          <a:bodyPr rot="0" spcFirstLastPara="0" vertOverflow="overflow" horzOverflow="overflow" vert="horz" wrap="square" lIns="91440" tIns="45720" rIns="91440" bIns="45720" numCol="1" spcCol="0" rtlCol="0" fromWordArt="0" anchor="ctr" anchorCtr="0" forceAA="0" compatLnSpc="1">
+            <a:prstTxWarp prst="textNoShape">
+              <a:avLst/>
+            </a:prstTxWarp>
+            <a:noAutofit/>
+          </a:bodyPr>
           <a:lstStyle/>
           <a:p>
             <a:pPr algn="ctr"/>
-            <a:endParaRPr lang="de-DE"/>
-          </a:p>
-        </p:txBody>
-      </p:sp>
-      <p:sp>
-        <p:nvSpPr>
-          <p:cNvPr id="40" name="TextBox 39">
+            <a:endParaRPr lang="de-DE" sz="1400">
+              <a:solidFill>
+                <a:schemeClr val="tx1"/>
+              </a:solidFill>
+            </a:endParaRPr>
+          </a:p>
+        </p:txBody>
+      </p:sp>
+      <p:sp>
+        <p:nvSpPr>
+          <p:cNvPr id="55" name="TextBox 54">
             <a:extLst>
               <a:ext uri="{FF2B5EF4-FFF2-40B4-BE49-F238E27FC236}">
-                <a16:creationId xmlns:a16="http://schemas.microsoft.com/office/drawing/2014/main" id="{74F76DEB-D083-B14B-9230-D5BA6675A391}"/>
+                <a16:creationId xmlns:a16="http://schemas.microsoft.com/office/drawing/2014/main" id="{9EDB6EBF-9004-5543-BCBD-68789ADE3E45}"/>
               </a:ext>
             </a:extLst>
           </p:cNvPr>
@@ -3967,8 +4994,8 @@
         </p:nvSpPr>
         <p:spPr>
           <a:xfrm>
-            <a:off x="5733914" y="215192"/>
-            <a:ext cx="2383986" cy="446276"/>
+            <a:off x="670715" y="6215346"/>
+            <a:ext cx="1203873" cy="307777"/>
           </a:xfrm>
           <a:prstGeom prst="rect">
             <a:avLst/>
@@ -3981,10 +5008,54 @@
           </a:bodyPr>
           <a:lstStyle/>
           <a:p>
-            <a:pPr algn="ctr"/>
-            <a:r>
-              <a:rPr lang="de-DE" sz="2300"/>
-              <a:t>Transfer Learning</a:t>
+            <a:pPr algn="l"/>
+            <a:r>
+              <a:rPr lang="de-DE" sz="1400">
+                <a:solidFill>
+                  <a:srgbClr val="FF0000"/>
+                </a:solidFill>
+              </a:rPr>
+              <a:t>Regression</a:t>
+            </a:r>
+          </a:p>
+        </p:txBody>
+      </p:sp>
+      <p:sp>
+        <p:nvSpPr>
+          <p:cNvPr id="56" name="TextBox 55">
+            <a:extLst>
+              <a:ext uri="{FF2B5EF4-FFF2-40B4-BE49-F238E27FC236}">
+                <a16:creationId xmlns:a16="http://schemas.microsoft.com/office/drawing/2014/main" id="{78A07CFB-A0DD-5C4B-880E-1E1B0ED603DD}"/>
+              </a:ext>
+            </a:extLst>
+          </p:cNvPr>
+          <p:cNvSpPr txBox="1"/>
+          <p:nvPr/>
+        </p:nvSpPr>
+        <p:spPr>
+          <a:xfrm>
+            <a:off x="667737" y="5785544"/>
+            <a:ext cx="1203873" cy="307777"/>
+          </a:xfrm>
+          <a:prstGeom prst="rect">
+            <a:avLst/>
+          </a:prstGeom>
+          <a:noFill/>
+        </p:spPr>
+        <p:txBody>
+          <a:bodyPr wrap="square" rtlCol="0">
+            <a:spAutoFit/>
+          </a:bodyPr>
+          <a:lstStyle/>
+          <a:p>
+            <a:pPr algn="l"/>
+            <a:r>
+              <a:rPr lang="de-DE" sz="1400">
+                <a:solidFill>
+                  <a:schemeClr val="accent1"/>
+                </a:solidFill>
+              </a:rPr>
+              <a:t>Classification</a:t>
             </a:r>
           </a:p>
         </p:txBody>
